--- a/docs/diagrams/LogicComponentCommandClassDiagram.pptx
+++ b/docs/diagrams/LogicComponentCommandClassDiagram.pptx
@@ -109,7 +109,7 @@
   </p:defaultTextStyle>
   <p:extLst>
     <p:ext uri="{EFAFB233-063F-42B5-8137-9DF3F51BA10A}">
-      <p15:sldGuideLst xmlns:p15="http://schemas.microsoft.com/office/powerpoint/2012/main">
+      <p15:sldGuideLst xmlns:p15="http://schemas.microsoft.com/office/powerpoint/2012/main" xmlns="">
         <p15:guide id="1" orient="horz" pos="1488">
           <p15:clr>
             <a:srgbClr val="A4A3A4"/>
@@ -212,7 +212,7 @@
           <a:p>
             <a:fld id="{F5CC4B3F-88C1-4FFA-B1B6-F41C21DC6924}" type="datetimeFigureOut">
               <a:rPr lang="en-US" smtClean="0"/>
-              <a:t>7/21/17</a:t>
+              <a:t>17/10/23</a:t>
             </a:fld>
             <a:endParaRPr lang="en-US"/>
           </a:p>
@@ -658,7 +658,7 @@
           <a:p>
             <a:fld id="{78C97017-6FC3-485B-9764-EAC9E56C1D49}" type="datetimeFigureOut">
               <a:rPr lang="en-US" smtClean="0"/>
-              <a:t>7/21/17</a:t>
+              <a:t>17/10/23</a:t>
             </a:fld>
             <a:endParaRPr lang="en-US"/>
           </a:p>
@@ -826,7 +826,7 @@
           <a:p>
             <a:fld id="{78C97017-6FC3-485B-9764-EAC9E56C1D49}" type="datetimeFigureOut">
               <a:rPr lang="en-US" smtClean="0"/>
-              <a:t>7/21/17</a:t>
+              <a:t>17/10/23</a:t>
             </a:fld>
             <a:endParaRPr lang="en-US"/>
           </a:p>
@@ -1004,7 +1004,7 @@
           <a:p>
             <a:fld id="{78C97017-6FC3-485B-9764-EAC9E56C1D49}" type="datetimeFigureOut">
               <a:rPr lang="en-US" smtClean="0"/>
-              <a:t>7/21/17</a:t>
+              <a:t>17/10/23</a:t>
             </a:fld>
             <a:endParaRPr lang="en-US"/>
           </a:p>
@@ -1172,7 +1172,7 @@
           <a:p>
             <a:fld id="{78C97017-6FC3-485B-9764-EAC9E56C1D49}" type="datetimeFigureOut">
               <a:rPr lang="en-US" smtClean="0"/>
-              <a:t>7/21/17</a:t>
+              <a:t>17/10/23</a:t>
             </a:fld>
             <a:endParaRPr lang="en-US"/>
           </a:p>
@@ -1417,7 +1417,7 @@
           <a:p>
             <a:fld id="{78C97017-6FC3-485B-9764-EAC9E56C1D49}" type="datetimeFigureOut">
               <a:rPr lang="en-US" smtClean="0"/>
-              <a:t>7/21/17</a:t>
+              <a:t>17/10/23</a:t>
             </a:fld>
             <a:endParaRPr lang="en-US"/>
           </a:p>
@@ -1702,7 +1702,7 @@
           <a:p>
             <a:fld id="{78C97017-6FC3-485B-9764-EAC9E56C1D49}" type="datetimeFigureOut">
               <a:rPr lang="en-US" smtClean="0"/>
-              <a:t>7/21/17</a:t>
+              <a:t>17/10/23</a:t>
             </a:fld>
             <a:endParaRPr lang="en-US"/>
           </a:p>
@@ -2121,7 +2121,7 @@
           <a:p>
             <a:fld id="{78C97017-6FC3-485B-9764-EAC9E56C1D49}" type="datetimeFigureOut">
               <a:rPr lang="en-US" smtClean="0"/>
-              <a:t>7/21/17</a:t>
+              <a:t>17/10/23</a:t>
             </a:fld>
             <a:endParaRPr lang="en-US"/>
           </a:p>
@@ -2238,7 +2238,7 @@
           <a:p>
             <a:fld id="{78C97017-6FC3-485B-9764-EAC9E56C1D49}" type="datetimeFigureOut">
               <a:rPr lang="en-US" smtClean="0"/>
-              <a:t>7/21/17</a:t>
+              <a:t>17/10/23</a:t>
             </a:fld>
             <a:endParaRPr lang="en-US"/>
           </a:p>
@@ -2333,7 +2333,7 @@
           <a:p>
             <a:fld id="{78C97017-6FC3-485B-9764-EAC9E56C1D49}" type="datetimeFigureOut">
               <a:rPr lang="en-US" smtClean="0"/>
-              <a:t>7/21/17</a:t>
+              <a:t>17/10/23</a:t>
             </a:fld>
             <a:endParaRPr lang="en-US"/>
           </a:p>
@@ -2608,7 +2608,7 @@
           <a:p>
             <a:fld id="{78C97017-6FC3-485B-9764-EAC9E56C1D49}" type="datetimeFigureOut">
               <a:rPr lang="en-US" smtClean="0"/>
-              <a:t>7/21/17</a:t>
+              <a:t>17/10/23</a:t>
             </a:fld>
             <a:endParaRPr lang="en-US"/>
           </a:p>
@@ -2860,7 +2860,7 @@
           <a:p>
             <a:fld id="{78C97017-6FC3-485B-9764-EAC9E56C1D49}" type="datetimeFigureOut">
               <a:rPr lang="en-US" smtClean="0"/>
-              <a:t>7/21/17</a:t>
+              <a:t>17/10/23</a:t>
             </a:fld>
             <a:endParaRPr lang="en-US"/>
           </a:p>
@@ -3071,7 +3071,7 @@
           <a:p>
             <a:fld id="{78C97017-6FC3-485B-9764-EAC9E56C1D49}" type="datetimeFigureOut">
               <a:rPr lang="en-US" smtClean="0"/>
-              <a:t>7/21/17</a:t>
+              <a:t>17/10/23</a:t>
             </a:fld>
             <a:endParaRPr lang="en-US"/>
           </a:p>
@@ -3861,7 +3861,7 @@
         </p:nvSpPr>
         <p:spPr>
           <a:xfrm flipH="1">
-            <a:off x="7239001" y="2997128"/>
+            <a:off x="7239000" y="2590800"/>
             <a:ext cx="1175193" cy="359669"/>
           </a:xfrm>
           <a:prstGeom prst="rect">
@@ -3917,7 +3917,7 @@
         </p:nvSpPr>
         <p:spPr>
           <a:xfrm flipH="1">
-            <a:off x="7239000" y="3431436"/>
+            <a:off x="7239000" y="3048000"/>
             <a:ext cx="1175194" cy="359669"/>
           </a:xfrm>
           <a:prstGeom prst="rect">
@@ -3950,7 +3950,7 @@
           <a:p>
             <a:pPr algn="ctr"/>
             <a:r>
-              <a:rPr lang="en-US" sz="1050" b="1" dirty="0" err="1" smtClean="0">
+              <a:rPr lang="en-US" sz="1050" b="1" dirty="0" smtClean="0">
                 <a:solidFill>
                   <a:srgbClr val="0070C0"/>
                 </a:solidFill>
@@ -3973,7 +3973,7 @@
         </p:nvSpPr>
         <p:spPr>
           <a:xfrm flipH="1">
-            <a:off x="7239000" y="3906103"/>
+            <a:off x="7239000" y="3962400"/>
             <a:ext cx="1175194" cy="359669"/>
           </a:xfrm>
           <a:prstGeom prst="rect">
@@ -4033,7 +4033,7 @@
         <p:spPr>
           <a:xfrm>
             <a:off x="6182243" y="2769430"/>
-            <a:ext cx="1056757" cy="1316508"/>
+            <a:ext cx="1056757" cy="1372805"/>
           </a:xfrm>
           <a:prstGeom prst="bentConnector3">
             <a:avLst>
@@ -4072,7 +4072,7 @@
         <p:spPr>
           <a:xfrm>
             <a:off x="6182243" y="2769430"/>
-            <a:ext cx="1056757" cy="841841"/>
+            <a:ext cx="1056757" cy="458405"/>
           </a:xfrm>
           <a:prstGeom prst="bentConnector3">
             <a:avLst>
@@ -4111,7 +4111,7 @@
         <p:spPr>
           <a:xfrm>
             <a:off x="6182243" y="2769430"/>
-            <a:ext cx="1056758" cy="407533"/>
+            <a:ext cx="1056757" cy="1205"/>
           </a:xfrm>
           <a:prstGeom prst="bentConnector3">
             <a:avLst>
@@ -4289,7 +4289,7 @@
           <a:p>
             <a:pPr algn="ctr"/>
             <a:r>
-              <a:rPr lang="en-US" sz="1050" b="1" dirty="0" err="1" smtClean="0">
+              <a:rPr lang="en-US" sz="1050" b="1" dirty="0" smtClean="0">
                 <a:solidFill>
                   <a:srgbClr val="0070C0"/>
                 </a:solidFill>
@@ -4533,7 +4533,7 @@
           <a:p>
             <a:pPr algn="ctr"/>
             <a:r>
-              <a:rPr lang="en-US" sz="1050" b="1" dirty="0" err="1" smtClean="0">
+              <a:rPr lang="en-US" sz="1050" b="1" dirty="0" smtClean="0">
                 <a:solidFill>
                   <a:srgbClr val="0070C0"/>
                 </a:solidFill>
@@ -4733,6 +4733,109 @@
               <a:schemeClr val="tx1"/>
             </a:solidFill>
             <a:headEnd type="triangle" w="med" len="med"/>
+            <a:tailEnd type="none" w="med" len="med"/>
+          </a:ln>
+        </p:spPr>
+        <p:style>
+          <a:lnRef idx="1">
+            <a:schemeClr val="accent1"/>
+          </a:lnRef>
+          <a:fillRef idx="0">
+            <a:schemeClr val="accent1"/>
+          </a:fillRef>
+          <a:effectRef idx="0">
+            <a:schemeClr val="accent1"/>
+          </a:effectRef>
+          <a:fontRef idx="minor">
+            <a:schemeClr val="tx1"/>
+          </a:fontRef>
+        </p:style>
+      </p:cxnSp>
+      <p:sp>
+        <p:nvSpPr>
+          <p:cNvPr id="31" name="Rectangle 11"/>
+          <p:cNvSpPr/>
+          <p:nvPr/>
+        </p:nvSpPr>
+        <p:spPr>
+          <a:xfrm flipH="1">
+            <a:off x="7239000" y="3505200"/>
+            <a:ext cx="1175194" cy="359669"/>
+          </a:xfrm>
+          <a:prstGeom prst="rect">
+            <a:avLst/>
+          </a:prstGeom>
+          <a:ln w="19050">
+            <a:solidFill>
+              <a:srgbClr val="0070C0"/>
+            </a:solidFill>
+          </a:ln>
+          <a:effectLst/>
+        </p:spPr>
+        <p:style>
+          <a:lnRef idx="1">
+            <a:schemeClr val="accent1"/>
+          </a:lnRef>
+          <a:fillRef idx="2">
+            <a:schemeClr val="accent1"/>
+          </a:fillRef>
+          <a:effectRef idx="1">
+            <a:schemeClr val="accent1"/>
+          </a:effectRef>
+          <a:fontRef idx="minor">
+            <a:schemeClr val="dk1"/>
+          </a:fontRef>
+        </p:style>
+        <p:txBody>
+          <a:bodyPr rtlCol="0" anchor="ctr"/>
+          <a:lstStyle/>
+          <a:p>
+            <a:pPr algn="ctr"/>
+            <a:r>
+              <a:rPr lang="en-US" sz="1050" b="1" dirty="0" smtClean="0">
+                <a:solidFill>
+                  <a:srgbClr val="0070C0"/>
+                </a:solidFill>
+              </a:rPr>
+              <a:t>Remark</a:t>
+            </a:r>
+            <a:r>
+              <a:rPr lang="en-US" sz="1050" b="1" dirty="0" smtClean="0">
+                <a:solidFill>
+                  <a:srgbClr val="0070C0"/>
+                </a:solidFill>
+              </a:rPr>
+              <a:t>Command</a:t>
+            </a:r>
+            <a:endParaRPr lang="en-US" sz="1050" b="1" dirty="0">
+              <a:solidFill>
+                <a:srgbClr val="0070C0"/>
+              </a:solidFill>
+            </a:endParaRPr>
+          </a:p>
+        </p:txBody>
+      </p:sp>
+      <p:cxnSp>
+        <p:nvCxnSpPr>
+          <p:cNvPr id="35" name="Elbow Connector 130"/>
+          <p:cNvCxnSpPr>
+            <a:stCxn id="137" idx="3"/>
+            <a:endCxn id="31" idx="3"/>
+          </p:cNvCxnSpPr>
+          <p:nvPr/>
+        </p:nvCxnSpPr>
+        <p:spPr>
+          <a:xfrm>
+            <a:off x="6357766" y="2778861"/>
+            <a:ext cx="881234" cy="906174"/>
+          </a:xfrm>
+          <a:prstGeom prst="bentConnector3">
+            <a:avLst>
+              <a:gd name="adj1" fmla="val 39780"/>
+            </a:avLst>
+          </a:prstGeom>
+          <a:ln w="19050">
+            <a:headEnd type="none" w="med" len="med"/>
             <a:tailEnd type="none" w="med" len="med"/>
           </a:ln>
         </p:spPr>
